--- a/workshops/container-native-development/WorkshopHeader.pptx
+++ b/workshops/container-native-development/WorkshopHeader.pptx
@@ -104,7 +104,16 @@
       </a:defRPr>
     </a:lvl9pPr>
   </p:defaultTextStyle>
+  <p:extLst>
+    <p:ext uri="{EFAFB233-063F-42B5-8137-9DF3F51BA10A}">
+      <p15:sldGuideLst xmlns:p15="http://schemas.microsoft.com/office/powerpoint/2012/main"/>
+    </p:ext>
+  </p:extLst>
 </p:presentation>
+</file>
+
+<file path=ppt/revisionInfo.xml><?xml version="1.0" encoding="utf-8"?>
+<p1510:revInfo xmlns:a="http://schemas.openxmlformats.org/drawingml/2006/main" xmlns:r="http://schemas.openxmlformats.org/officeDocument/2006/relationships" xmlns:p1510="http://schemas.microsoft.com/office/powerpoint/2015/10/main"/>
 </file>
 
 <file path=ppt/slideLayouts/slideLayout1.xml><?xml version="1.0" encoding="utf-8"?>
@@ -149,10 +158,9 @@
           </a:lstStyle>
           <a:p>
             <a:r>
-              <a:rPr lang="en-US" smtClean="0"/>
+              <a:rPr lang="en-US"/>
               <a:t>Click to edit Master title style</a:t>
             </a:r>
-            <a:endParaRPr lang="en-US"/>
           </a:p>
         </p:txBody>
       </p:sp>
@@ -214,10 +222,9 @@
           </a:lstStyle>
           <a:p>
             <a:r>
-              <a:rPr lang="en-US" smtClean="0"/>
+              <a:rPr lang="en-US"/>
               <a:t>Click to edit Master subtitle style</a:t>
             </a:r>
-            <a:endParaRPr lang="en-US"/>
           </a:p>
         </p:txBody>
       </p:sp>
@@ -238,7 +245,7 @@
           <a:p>
             <a:fld id="{BED1614E-28FD-C54C-811F-CB4EE2076F62}" type="datetimeFigureOut">
               <a:rPr lang="en-US" smtClean="0"/>
-              <a:t>1/27/17</a:t>
+              <a:t>1/16/2018</a:t>
             </a:fld>
             <a:endParaRPr lang="en-US"/>
           </a:p>
@@ -332,10 +339,9 @@
           <a:lstStyle/>
           <a:p>
             <a:r>
-              <a:rPr lang="en-US" smtClean="0"/>
+              <a:rPr lang="en-US"/>
               <a:t>Click to edit Master title style</a:t>
             </a:r>
-            <a:endParaRPr lang="en-US"/>
           </a:p>
         </p:txBody>
       </p:sp>
@@ -356,38 +362,37 @@
           <a:p>
             <a:pPr lvl="0"/>
             <a:r>
-              <a:rPr lang="en-US" smtClean="0"/>
+              <a:rPr lang="en-US"/>
               <a:t>Click to edit Master text styles</a:t>
             </a:r>
           </a:p>
           <a:p>
             <a:pPr lvl="1"/>
             <a:r>
-              <a:rPr lang="en-US" smtClean="0"/>
+              <a:rPr lang="en-US"/>
               <a:t>Second level</a:t>
             </a:r>
           </a:p>
           <a:p>
             <a:pPr lvl="2"/>
             <a:r>
-              <a:rPr lang="en-US" smtClean="0"/>
+              <a:rPr lang="en-US"/>
               <a:t>Third level</a:t>
             </a:r>
           </a:p>
           <a:p>
             <a:pPr lvl="3"/>
             <a:r>
-              <a:rPr lang="en-US" smtClean="0"/>
+              <a:rPr lang="en-US"/>
               <a:t>Fourth level</a:t>
             </a:r>
           </a:p>
           <a:p>
             <a:pPr lvl="4"/>
             <a:r>
-              <a:rPr lang="en-US" smtClean="0"/>
+              <a:rPr lang="en-US"/>
               <a:t>Fifth level</a:t>
             </a:r>
-            <a:endParaRPr lang="en-US"/>
           </a:p>
         </p:txBody>
       </p:sp>
@@ -408,7 +413,7 @@
           <a:p>
             <a:fld id="{BED1614E-28FD-C54C-811F-CB4EE2076F62}" type="datetimeFigureOut">
               <a:rPr lang="en-US" smtClean="0"/>
-              <a:t>1/27/17</a:t>
+              <a:t>1/16/2018</a:t>
             </a:fld>
             <a:endParaRPr lang="en-US"/>
           </a:p>
@@ -507,10 +512,9 @@
           <a:lstStyle/>
           <a:p>
             <a:r>
-              <a:rPr lang="en-US" smtClean="0"/>
+              <a:rPr lang="en-US"/>
               <a:t>Click to edit Master title style</a:t>
             </a:r>
-            <a:endParaRPr lang="en-US"/>
           </a:p>
         </p:txBody>
       </p:sp>
@@ -536,38 +540,37 @@
           <a:p>
             <a:pPr lvl="0"/>
             <a:r>
-              <a:rPr lang="en-US" smtClean="0"/>
+              <a:rPr lang="en-US"/>
               <a:t>Click to edit Master text styles</a:t>
             </a:r>
           </a:p>
           <a:p>
             <a:pPr lvl="1"/>
             <a:r>
-              <a:rPr lang="en-US" smtClean="0"/>
+              <a:rPr lang="en-US"/>
               <a:t>Second level</a:t>
             </a:r>
           </a:p>
           <a:p>
             <a:pPr lvl="2"/>
             <a:r>
-              <a:rPr lang="en-US" smtClean="0"/>
+              <a:rPr lang="en-US"/>
               <a:t>Third level</a:t>
             </a:r>
           </a:p>
           <a:p>
             <a:pPr lvl="3"/>
             <a:r>
-              <a:rPr lang="en-US" smtClean="0"/>
+              <a:rPr lang="en-US"/>
               <a:t>Fourth level</a:t>
             </a:r>
           </a:p>
           <a:p>
             <a:pPr lvl="4"/>
             <a:r>
-              <a:rPr lang="en-US" smtClean="0"/>
+              <a:rPr lang="en-US"/>
               <a:t>Fifth level</a:t>
             </a:r>
-            <a:endParaRPr lang="en-US"/>
           </a:p>
         </p:txBody>
       </p:sp>
@@ -588,7 +591,7 @@
           <a:p>
             <a:fld id="{BED1614E-28FD-C54C-811F-CB4EE2076F62}" type="datetimeFigureOut">
               <a:rPr lang="en-US" smtClean="0"/>
-              <a:t>1/27/17</a:t>
+              <a:t>1/16/2018</a:t>
             </a:fld>
             <a:endParaRPr lang="en-US"/>
           </a:p>
@@ -682,10 +685,9 @@
           <a:lstStyle/>
           <a:p>
             <a:r>
-              <a:rPr lang="en-US" smtClean="0"/>
+              <a:rPr lang="en-US"/>
               <a:t>Click to edit Master title style</a:t>
             </a:r>
-            <a:endParaRPr lang="en-US"/>
           </a:p>
         </p:txBody>
       </p:sp>
@@ -706,38 +708,37 @@
           <a:p>
             <a:pPr lvl="0"/>
             <a:r>
-              <a:rPr lang="en-US" smtClean="0"/>
+              <a:rPr lang="en-US"/>
               <a:t>Click to edit Master text styles</a:t>
             </a:r>
           </a:p>
           <a:p>
             <a:pPr lvl="1"/>
             <a:r>
-              <a:rPr lang="en-US" smtClean="0"/>
+              <a:rPr lang="en-US"/>
               <a:t>Second level</a:t>
             </a:r>
           </a:p>
           <a:p>
             <a:pPr lvl="2"/>
             <a:r>
-              <a:rPr lang="en-US" smtClean="0"/>
+              <a:rPr lang="en-US"/>
               <a:t>Third level</a:t>
             </a:r>
           </a:p>
           <a:p>
             <a:pPr lvl="3"/>
             <a:r>
-              <a:rPr lang="en-US" smtClean="0"/>
+              <a:rPr lang="en-US"/>
               <a:t>Fourth level</a:t>
             </a:r>
           </a:p>
           <a:p>
             <a:pPr lvl="4"/>
             <a:r>
-              <a:rPr lang="en-US" smtClean="0"/>
+              <a:rPr lang="en-US"/>
               <a:t>Fifth level</a:t>
             </a:r>
-            <a:endParaRPr lang="en-US"/>
           </a:p>
         </p:txBody>
       </p:sp>
@@ -758,7 +759,7 @@
           <a:p>
             <a:fld id="{BED1614E-28FD-C54C-811F-CB4EE2076F62}" type="datetimeFigureOut">
               <a:rPr lang="en-US" smtClean="0"/>
-              <a:t>1/27/17</a:t>
+              <a:t>1/16/2018</a:t>
             </a:fld>
             <a:endParaRPr lang="en-US"/>
           </a:p>
@@ -861,10 +862,9 @@
           </a:lstStyle>
           <a:p>
             <a:r>
-              <a:rPr lang="en-US" smtClean="0"/>
+              <a:rPr lang="en-US"/>
               <a:t>Click to edit Master title style</a:t>
             </a:r>
-            <a:endParaRPr lang="en-US"/>
           </a:p>
         </p:txBody>
       </p:sp>
@@ -981,7 +981,7 @@
           <a:p>
             <a:pPr lvl="0"/>
             <a:r>
-              <a:rPr lang="en-US" smtClean="0"/>
+              <a:rPr lang="en-US"/>
               <a:t>Click to edit Master text styles</a:t>
             </a:r>
           </a:p>
@@ -1004,7 +1004,7 @@
           <a:p>
             <a:fld id="{BED1614E-28FD-C54C-811F-CB4EE2076F62}" type="datetimeFigureOut">
               <a:rPr lang="en-US" smtClean="0"/>
-              <a:t>1/27/17</a:t>
+              <a:t>1/16/2018</a:t>
             </a:fld>
             <a:endParaRPr lang="en-US"/>
           </a:p>
@@ -1098,10 +1098,9 @@
           <a:lstStyle/>
           <a:p>
             <a:r>
-              <a:rPr lang="en-US" smtClean="0"/>
+              <a:rPr lang="en-US"/>
               <a:t>Click to edit Master title style</a:t>
             </a:r>
-            <a:endParaRPr lang="en-US"/>
           </a:p>
         </p:txBody>
       </p:sp>
@@ -1127,38 +1126,37 @@
           <a:p>
             <a:pPr lvl="0"/>
             <a:r>
-              <a:rPr lang="en-US" smtClean="0"/>
+              <a:rPr lang="en-US"/>
               <a:t>Click to edit Master text styles</a:t>
             </a:r>
           </a:p>
           <a:p>
             <a:pPr lvl="1"/>
             <a:r>
-              <a:rPr lang="en-US" smtClean="0"/>
+              <a:rPr lang="en-US"/>
               <a:t>Second level</a:t>
             </a:r>
           </a:p>
           <a:p>
             <a:pPr lvl="2"/>
             <a:r>
-              <a:rPr lang="en-US" smtClean="0"/>
+              <a:rPr lang="en-US"/>
               <a:t>Third level</a:t>
             </a:r>
           </a:p>
           <a:p>
             <a:pPr lvl="3"/>
             <a:r>
-              <a:rPr lang="en-US" smtClean="0"/>
+              <a:rPr lang="en-US"/>
               <a:t>Fourth level</a:t>
             </a:r>
           </a:p>
           <a:p>
             <a:pPr lvl="4"/>
             <a:r>
-              <a:rPr lang="en-US" smtClean="0"/>
+              <a:rPr lang="en-US"/>
               <a:t>Fifth level</a:t>
             </a:r>
-            <a:endParaRPr lang="en-US"/>
           </a:p>
         </p:txBody>
       </p:sp>
@@ -1184,38 +1182,37 @@
           <a:p>
             <a:pPr lvl="0"/>
             <a:r>
-              <a:rPr lang="en-US" smtClean="0"/>
+              <a:rPr lang="en-US"/>
               <a:t>Click to edit Master text styles</a:t>
             </a:r>
           </a:p>
           <a:p>
             <a:pPr lvl="1"/>
             <a:r>
-              <a:rPr lang="en-US" smtClean="0"/>
+              <a:rPr lang="en-US"/>
               <a:t>Second level</a:t>
             </a:r>
           </a:p>
           <a:p>
             <a:pPr lvl="2"/>
             <a:r>
-              <a:rPr lang="en-US" smtClean="0"/>
+              <a:rPr lang="en-US"/>
               <a:t>Third level</a:t>
             </a:r>
           </a:p>
           <a:p>
             <a:pPr lvl="3"/>
             <a:r>
-              <a:rPr lang="en-US" smtClean="0"/>
+              <a:rPr lang="en-US"/>
               <a:t>Fourth level</a:t>
             </a:r>
           </a:p>
           <a:p>
             <a:pPr lvl="4"/>
             <a:r>
-              <a:rPr lang="en-US" smtClean="0"/>
+              <a:rPr lang="en-US"/>
               <a:t>Fifth level</a:t>
             </a:r>
-            <a:endParaRPr lang="en-US"/>
           </a:p>
         </p:txBody>
       </p:sp>
@@ -1236,7 +1233,7 @@
           <a:p>
             <a:fld id="{BED1614E-28FD-C54C-811F-CB4EE2076F62}" type="datetimeFigureOut">
               <a:rPr lang="en-US" smtClean="0"/>
-              <a:t>1/27/17</a:t>
+              <a:t>1/16/2018</a:t>
             </a:fld>
             <a:endParaRPr lang="en-US"/>
           </a:p>
@@ -1335,10 +1332,9 @@
           <a:lstStyle/>
           <a:p>
             <a:r>
-              <a:rPr lang="en-US" smtClean="0"/>
+              <a:rPr lang="en-US"/>
               <a:t>Click to edit Master title style</a:t>
             </a:r>
-            <a:endParaRPr lang="en-US"/>
           </a:p>
         </p:txBody>
       </p:sp>
@@ -1401,7 +1397,7 @@
           <a:p>
             <a:pPr lvl="0"/>
             <a:r>
-              <a:rPr lang="en-US" smtClean="0"/>
+              <a:rPr lang="en-US"/>
               <a:t>Click to edit Master text styles</a:t>
             </a:r>
           </a:p>
@@ -1429,38 +1425,37 @@
           <a:p>
             <a:pPr lvl="0"/>
             <a:r>
-              <a:rPr lang="en-US" smtClean="0"/>
+              <a:rPr lang="en-US"/>
               <a:t>Click to edit Master text styles</a:t>
             </a:r>
           </a:p>
           <a:p>
             <a:pPr lvl="1"/>
             <a:r>
-              <a:rPr lang="en-US" smtClean="0"/>
+              <a:rPr lang="en-US"/>
               <a:t>Second level</a:t>
             </a:r>
           </a:p>
           <a:p>
             <a:pPr lvl="2"/>
             <a:r>
-              <a:rPr lang="en-US" smtClean="0"/>
+              <a:rPr lang="en-US"/>
               <a:t>Third level</a:t>
             </a:r>
           </a:p>
           <a:p>
             <a:pPr lvl="3"/>
             <a:r>
-              <a:rPr lang="en-US" smtClean="0"/>
+              <a:rPr lang="en-US"/>
               <a:t>Fourth level</a:t>
             </a:r>
           </a:p>
           <a:p>
             <a:pPr lvl="4"/>
             <a:r>
-              <a:rPr lang="en-US" smtClean="0"/>
+              <a:rPr lang="en-US"/>
               <a:t>Fifth level</a:t>
             </a:r>
-            <a:endParaRPr lang="en-US"/>
           </a:p>
         </p:txBody>
       </p:sp>
@@ -1523,7 +1518,7 @@
           <a:p>
             <a:pPr lvl="0"/>
             <a:r>
-              <a:rPr lang="en-US" smtClean="0"/>
+              <a:rPr lang="en-US"/>
               <a:t>Click to edit Master text styles</a:t>
             </a:r>
           </a:p>
@@ -1551,38 +1546,37 @@
           <a:p>
             <a:pPr lvl="0"/>
             <a:r>
-              <a:rPr lang="en-US" smtClean="0"/>
+              <a:rPr lang="en-US"/>
               <a:t>Click to edit Master text styles</a:t>
             </a:r>
           </a:p>
           <a:p>
             <a:pPr lvl="1"/>
             <a:r>
-              <a:rPr lang="en-US" smtClean="0"/>
+              <a:rPr lang="en-US"/>
               <a:t>Second level</a:t>
             </a:r>
           </a:p>
           <a:p>
             <a:pPr lvl="2"/>
             <a:r>
-              <a:rPr lang="en-US" smtClean="0"/>
+              <a:rPr lang="en-US"/>
               <a:t>Third level</a:t>
             </a:r>
           </a:p>
           <a:p>
             <a:pPr lvl="3"/>
             <a:r>
-              <a:rPr lang="en-US" smtClean="0"/>
+              <a:rPr lang="en-US"/>
               <a:t>Fourth level</a:t>
             </a:r>
           </a:p>
           <a:p>
             <a:pPr lvl="4"/>
             <a:r>
-              <a:rPr lang="en-US" smtClean="0"/>
+              <a:rPr lang="en-US"/>
               <a:t>Fifth level</a:t>
             </a:r>
-            <a:endParaRPr lang="en-US"/>
           </a:p>
         </p:txBody>
       </p:sp>
@@ -1603,7 +1597,7 @@
           <a:p>
             <a:fld id="{BED1614E-28FD-C54C-811F-CB4EE2076F62}" type="datetimeFigureOut">
               <a:rPr lang="en-US" smtClean="0"/>
-              <a:t>1/27/17</a:t>
+              <a:t>1/16/2018</a:t>
             </a:fld>
             <a:endParaRPr lang="en-US"/>
           </a:p>
@@ -1697,10 +1691,9 @@
           <a:lstStyle/>
           <a:p>
             <a:r>
-              <a:rPr lang="en-US" smtClean="0"/>
+              <a:rPr lang="en-US"/>
               <a:t>Click to edit Master title style</a:t>
             </a:r>
-            <a:endParaRPr lang="en-US"/>
           </a:p>
         </p:txBody>
       </p:sp>
@@ -1721,7 +1714,7 @@
           <a:p>
             <a:fld id="{BED1614E-28FD-C54C-811F-CB4EE2076F62}" type="datetimeFigureOut">
               <a:rPr lang="en-US" smtClean="0"/>
-              <a:t>1/27/17</a:t>
+              <a:t>1/16/2018</a:t>
             </a:fld>
             <a:endParaRPr lang="en-US"/>
           </a:p>
@@ -1816,7 +1809,7 @@
           <a:p>
             <a:fld id="{BED1614E-28FD-C54C-811F-CB4EE2076F62}" type="datetimeFigureOut">
               <a:rPr lang="en-US" smtClean="0"/>
-              <a:t>1/27/17</a:t>
+              <a:t>1/16/2018</a:t>
             </a:fld>
             <a:endParaRPr lang="en-US"/>
           </a:p>
@@ -1919,10 +1912,9 @@
           </a:lstStyle>
           <a:p>
             <a:r>
-              <a:rPr lang="en-US" smtClean="0"/>
+              <a:rPr lang="en-US"/>
               <a:t>Click to edit Master title style</a:t>
             </a:r>
-            <a:endParaRPr lang="en-US"/>
           </a:p>
         </p:txBody>
       </p:sp>
@@ -1976,38 +1968,37 @@
           <a:p>
             <a:pPr lvl="0"/>
             <a:r>
-              <a:rPr lang="en-US" smtClean="0"/>
+              <a:rPr lang="en-US"/>
               <a:t>Click to edit Master text styles</a:t>
             </a:r>
           </a:p>
           <a:p>
             <a:pPr lvl="1"/>
             <a:r>
-              <a:rPr lang="en-US" smtClean="0"/>
+              <a:rPr lang="en-US"/>
               <a:t>Second level</a:t>
             </a:r>
           </a:p>
           <a:p>
             <a:pPr lvl="2"/>
             <a:r>
-              <a:rPr lang="en-US" smtClean="0"/>
+              <a:rPr lang="en-US"/>
               <a:t>Third level</a:t>
             </a:r>
           </a:p>
           <a:p>
             <a:pPr lvl="3"/>
             <a:r>
-              <a:rPr lang="en-US" smtClean="0"/>
+              <a:rPr lang="en-US"/>
               <a:t>Fourth level</a:t>
             </a:r>
           </a:p>
           <a:p>
             <a:pPr lvl="4"/>
             <a:r>
-              <a:rPr lang="en-US" smtClean="0"/>
+              <a:rPr lang="en-US"/>
               <a:t>Fifth level</a:t>
             </a:r>
-            <a:endParaRPr lang="en-US"/>
           </a:p>
         </p:txBody>
       </p:sp>
@@ -2070,7 +2061,7 @@
           <a:p>
             <a:pPr lvl="0"/>
             <a:r>
-              <a:rPr lang="en-US" smtClean="0"/>
+              <a:rPr lang="en-US"/>
               <a:t>Click to edit Master text styles</a:t>
             </a:r>
           </a:p>
@@ -2093,7 +2084,7 @@
           <a:p>
             <a:fld id="{BED1614E-28FD-C54C-811F-CB4EE2076F62}" type="datetimeFigureOut">
               <a:rPr lang="en-US" smtClean="0"/>
-              <a:t>1/27/17</a:t>
+              <a:t>1/16/2018</a:t>
             </a:fld>
             <a:endParaRPr lang="en-US"/>
           </a:p>
@@ -2196,10 +2187,9 @@
           </a:lstStyle>
           <a:p>
             <a:r>
-              <a:rPr lang="en-US" smtClean="0"/>
+              <a:rPr lang="en-US"/>
               <a:t>Click to edit Master title style</a:t>
             </a:r>
-            <a:endParaRPr lang="en-US"/>
           </a:p>
         </p:txBody>
       </p:sp>
@@ -2323,7 +2313,7 @@
           <a:p>
             <a:pPr lvl="0"/>
             <a:r>
-              <a:rPr lang="en-US" smtClean="0"/>
+              <a:rPr lang="en-US"/>
               <a:t>Click to edit Master text styles</a:t>
             </a:r>
           </a:p>
@@ -2346,7 +2336,7 @@
           <a:p>
             <a:fld id="{BED1614E-28FD-C54C-811F-CB4EE2076F62}" type="datetimeFigureOut">
               <a:rPr lang="en-US" smtClean="0"/>
-              <a:t>1/27/17</a:t>
+              <a:t>1/16/2018</a:t>
             </a:fld>
             <a:endParaRPr lang="en-US"/>
           </a:p>
@@ -2455,10 +2445,9 @@
           <a:lstStyle/>
           <a:p>
             <a:r>
-              <a:rPr lang="en-US" smtClean="0"/>
+              <a:rPr lang="en-US"/>
               <a:t>Click to edit Master title style</a:t>
             </a:r>
-            <a:endParaRPr lang="en-US"/>
           </a:p>
         </p:txBody>
       </p:sp>
@@ -2489,38 +2478,37 @@
           <a:p>
             <a:pPr lvl="0"/>
             <a:r>
-              <a:rPr lang="en-US" smtClean="0"/>
+              <a:rPr lang="en-US"/>
               <a:t>Click to edit Master text styles</a:t>
             </a:r>
           </a:p>
           <a:p>
             <a:pPr lvl="1"/>
             <a:r>
-              <a:rPr lang="en-US" smtClean="0"/>
+              <a:rPr lang="en-US"/>
               <a:t>Second level</a:t>
             </a:r>
           </a:p>
           <a:p>
             <a:pPr lvl="2"/>
             <a:r>
-              <a:rPr lang="en-US" smtClean="0"/>
+              <a:rPr lang="en-US"/>
               <a:t>Third level</a:t>
             </a:r>
           </a:p>
           <a:p>
             <a:pPr lvl="3"/>
             <a:r>
-              <a:rPr lang="en-US" smtClean="0"/>
+              <a:rPr lang="en-US"/>
               <a:t>Fourth level</a:t>
             </a:r>
           </a:p>
           <a:p>
             <a:pPr lvl="4"/>
             <a:r>
-              <a:rPr lang="en-US" smtClean="0"/>
+              <a:rPr lang="en-US"/>
               <a:t>Fifth level</a:t>
             </a:r>
-            <a:endParaRPr lang="en-US"/>
           </a:p>
         </p:txBody>
       </p:sp>
@@ -2559,7 +2547,7 @@
           <a:p>
             <a:fld id="{BED1614E-28FD-C54C-811F-CB4EE2076F62}" type="datetimeFigureOut">
               <a:rPr lang="en-US" smtClean="0"/>
-              <a:t>1/27/17</a:t>
+              <a:t>1/16/2018</a:t>
             </a:fld>
             <a:endParaRPr lang="en-US"/>
           </a:p>
@@ -3043,7 +3031,7 @@
           </a:ln>
           <a:extLst>
             <a:ext uri="{FAA26D3D-D897-4be2-8F04-BA451C77F1D7}">
-              <ma14:placeholderFlag xmlns:ma14="http://schemas.microsoft.com/office/mac/drawingml/2011/main"/>
+              <ma14:placeholderFlag xmlns:ma14="http://schemas.microsoft.com/office/mac/drawingml/2011/main" xmlns=""/>
             </a:ext>
           </a:extLst>
         </p:spPr>
@@ -3075,7 +3063,7 @@
           <a:p>
             <a:pPr algn="r"/>
             <a:r>
-              <a:rPr lang="en-US" i="1" dirty="0" smtClean="0">
+              <a:rPr lang="en-US" i="1" dirty="0">
                 <a:solidFill>
                   <a:schemeClr val="bg1"/>
                 </a:solidFill>
@@ -3089,7 +3077,7 @@
           <a:p>
             <a:pPr algn="r"/>
             <a:r>
-              <a:rPr lang="en-US" i="1" dirty="0" smtClean="0">
+              <a:rPr lang="en-US" i="1" dirty="0">
                 <a:solidFill>
                   <a:schemeClr val="bg1"/>
                 </a:solidFill>
@@ -3099,14 +3087,6 @@
               </a:rPr>
               <a:t>Solution Engineering Team</a:t>
             </a:r>
-            <a:endParaRPr lang="en-US" i="1" dirty="0">
-              <a:solidFill>
-                <a:schemeClr val="bg1"/>
-              </a:solidFill>
-              <a:latin typeface="Tahoma" charset="0"/>
-              <a:ea typeface="Tahoma" charset="0"/>
-              <a:cs typeface="Tahoma" charset="0"/>
-            </a:endParaRPr>
           </a:p>
         </p:txBody>
       </p:sp>
@@ -3137,7 +3117,7 @@
           <a:p>
             <a:pPr algn="r"/>
             <a:r>
-              <a:rPr lang="en-US" sz="2800" b="1" dirty="0" smtClean="0">
+              <a:rPr lang="en-US" sz="2800" b="1" dirty="0">
                 <a:solidFill>
                   <a:schemeClr val="bg1"/>
                 </a:solidFill>
@@ -3145,13 +3125,13 @@
                 <a:ea typeface="Tahoma" charset="0"/>
                 <a:cs typeface="Tahoma" charset="0"/>
               </a:rPr>
-              <a:t>100</a:t>
+              <a:t>500</a:t>
             </a:r>
           </a:p>
           <a:p>
             <a:pPr algn="r"/>
             <a:r>
-              <a:rPr lang="en-US" sz="2000" b="1" dirty="0" smtClean="0">
+              <a:rPr lang="en-US" sz="2000" b="1" dirty="0">
                 <a:solidFill>
                   <a:schemeClr val="bg1"/>
                 </a:solidFill>
@@ -3165,7 +3145,7 @@
           <a:p>
             <a:pPr algn="r"/>
             <a:r>
-              <a:rPr lang="en-US" sz="2000" b="1" dirty="0" smtClean="0">
+              <a:rPr lang="en-US" sz="2000" b="1" dirty="0">
                 <a:solidFill>
                   <a:schemeClr val="bg1"/>
                 </a:solidFill>
@@ -3175,14 +3155,6 @@
               </a:rPr>
               <a:t>Cloud Workshop</a:t>
             </a:r>
-            <a:endParaRPr lang="en-US" sz="2000" b="1" dirty="0">
-              <a:solidFill>
-                <a:schemeClr val="bg1"/>
-              </a:solidFill>
-              <a:latin typeface="Tahoma" charset="0"/>
-              <a:ea typeface="Tahoma" charset="0"/>
-              <a:cs typeface="Tahoma" charset="0"/>
-            </a:endParaRPr>
           </a:p>
         </p:txBody>
       </p:sp>
@@ -3194,8 +3166,8 @@
         </p:nvSpPr>
         <p:spPr>
           <a:xfrm>
-            <a:off x="5702740" y="3994726"/>
-            <a:ext cx="3001143" cy="646331"/>
+            <a:off x="4821089" y="3994726"/>
+            <a:ext cx="3882794" cy="646331"/>
           </a:xfrm>
           <a:prstGeom prst="rect">
             <a:avLst/>
@@ -3213,7 +3185,7 @@
           <a:p>
             <a:pPr algn="r"/>
             <a:r>
-              <a:rPr lang="en-US" b="1" dirty="0" smtClean="0">
+              <a:rPr lang="en-US" b="1" dirty="0">
                 <a:solidFill>
                   <a:schemeClr val="bg1"/>
                 </a:solidFill>
@@ -3221,33 +3193,11 @@
                 <a:ea typeface="Tahoma" charset="0"/>
                 <a:cs typeface="Tahoma" charset="0"/>
               </a:rPr>
-              <a:t>DevOps: Cloud Native</a:t>
+              <a:t>Container Native Development</a:t>
             </a:r>
           </a:p>
           <a:p>
             <a:pPr algn="r"/>
-            <a:r>
-              <a:rPr lang="en-US" b="1" dirty="0" err="1" smtClean="0">
-                <a:solidFill>
-                  <a:schemeClr val="bg1"/>
-                </a:solidFill>
-                <a:latin typeface="Tahoma" charset="0"/>
-                <a:ea typeface="Tahoma" charset="0"/>
-                <a:cs typeface="Tahoma" charset="0"/>
-              </a:rPr>
-              <a:t>Microservices</a:t>
-            </a:r>
-            <a:r>
-              <a:rPr lang="en-US" b="1" dirty="0" smtClean="0">
-                <a:solidFill>
-                  <a:schemeClr val="bg1"/>
-                </a:solidFill>
-                <a:latin typeface="Tahoma" charset="0"/>
-                <a:ea typeface="Tahoma" charset="0"/>
-                <a:cs typeface="Tahoma" charset="0"/>
-              </a:rPr>
-              <a:t> Workshop</a:t>
-            </a:r>
             <a:endParaRPr lang="en-US" b="1" dirty="0">
               <a:solidFill>
                 <a:schemeClr val="bg1"/>
